--- a/Presentation.pptx
+++ b/Presentation.pptx
@@ -5,19 +5,24 @@
     <p:sldMasterId id="2147483660" r:id="rId1"/>
   </p:sldMasterIdLst>
   <p:notesMasterIdLst>
-    <p:notesMasterId r:id="rId12"/>
+    <p:notesMasterId r:id="rId17"/>
   </p:notesMasterIdLst>
   <p:sldIdLst>
     <p:sldId id="256" r:id="rId2"/>
     <p:sldId id="257" r:id="rId3"/>
     <p:sldId id="258" r:id="rId4"/>
     <p:sldId id="265" r:id="rId5"/>
-    <p:sldId id="259" r:id="rId6"/>
-    <p:sldId id="260" r:id="rId7"/>
-    <p:sldId id="264" r:id="rId8"/>
-    <p:sldId id="263" r:id="rId9"/>
-    <p:sldId id="261" r:id="rId10"/>
-    <p:sldId id="262" r:id="rId11"/>
+    <p:sldId id="266" r:id="rId6"/>
+    <p:sldId id="269" r:id="rId7"/>
+    <p:sldId id="268" r:id="rId8"/>
+    <p:sldId id="267" r:id="rId9"/>
+    <p:sldId id="270" r:id="rId10"/>
+    <p:sldId id="259" r:id="rId11"/>
+    <p:sldId id="260" r:id="rId12"/>
+    <p:sldId id="264" r:id="rId13"/>
+    <p:sldId id="263" r:id="rId14"/>
+    <p:sldId id="261" r:id="rId15"/>
+    <p:sldId id="262" r:id="rId16"/>
   </p:sldIdLst>
   <p:sldSz cx="9144000" cy="6858000" type="screen4x3"/>
   <p:notesSz cx="6858000" cy="9144000"/>
@@ -116,6 +121,11 @@
       </a:defRPr>
     </a:lvl9pPr>
   </p:defaultTextStyle>
+  <p:extLst>
+    <p:ext uri="{EFAFB233-063F-42B5-8137-9DF3F51BA10A}">
+      <p15:sldGuideLst xmlns:p15="http://schemas.microsoft.com/office/powerpoint/2012/main"/>
+    </p:ext>
+  </p:extLst>
 </p:presentation>
 </file>
 
@@ -201,7 +211,7 @@
           <a:p>
             <a:fld id="{811640E2-4319-4AC1-813A-DF88AAF799A9}" type="datetimeFigureOut">
               <a:rPr lang="en-US" smtClean="0"/>
-              <a:t>12/3/2016</a:t>
+              <a:t>12/4/2016</a:t>
             </a:fld>
             <a:endParaRPr lang="en-US"/>
           </a:p>
@@ -296,7 +306,6 @@
               <a:rPr lang="en-US"/>
               <a:t>Fifth level</a:t>
             </a:r>
-            <a:endParaRPr lang="en-US"/>
           </a:p>
         </p:txBody>
       </p:sp>
@@ -600,7 +609,7 @@
           <a:p>
             <a:fld id="{11530D32-8E4D-44CE-8489-E32370FC31AC}" type="datetime1">
               <a:rPr lang="en-US" smtClean="0"/>
-              <a:t>12/3/2016</a:t>
+              <a:t>12/4/2016</a:t>
             </a:fld>
             <a:endParaRPr lang="en-US"/>
           </a:p>
@@ -625,7 +634,6 @@
               <a:rPr lang="en-US"/>
               <a:t>CSCI-5448 MyHealth_Services</a:t>
             </a:r>
-            <a:endParaRPr lang="en-US"/>
           </a:p>
         </p:txBody>
       </p:sp>
@@ -774,7 +782,7 @@
           <a:p>
             <a:fld id="{DAE35A49-FDC8-4E54-A699-5BEACE78F3BF}" type="datetime1">
               <a:rPr lang="en-US" smtClean="0"/>
-              <a:t>12/3/2016</a:t>
+              <a:t>12/4/2016</a:t>
             </a:fld>
             <a:endParaRPr lang="en-US"/>
           </a:p>
@@ -799,7 +807,6 @@
               <a:rPr lang="en-US"/>
               <a:t>CSCI-5448 MyHealth_Services</a:t>
             </a:r>
-            <a:endParaRPr lang="en-US"/>
           </a:p>
         </p:txBody>
       </p:sp>
@@ -958,7 +965,7 @@
           <a:p>
             <a:fld id="{6C38A868-9A7C-4B18-B9D2-086187FF1760}" type="datetime1">
               <a:rPr lang="en-US" smtClean="0"/>
-              <a:t>12/3/2016</a:t>
+              <a:t>12/4/2016</a:t>
             </a:fld>
             <a:endParaRPr lang="en-US"/>
           </a:p>
@@ -983,7 +990,6 @@
               <a:rPr lang="en-US"/>
               <a:t>CSCI-5448 MyHealth_Services</a:t>
             </a:r>
-            <a:endParaRPr lang="en-US"/>
           </a:p>
         </p:txBody>
       </p:sp>
@@ -1132,7 +1138,7 @@
           <a:p>
             <a:fld id="{99BDFCD1-305B-4772-8960-7ECD349CB293}" type="datetime1">
               <a:rPr lang="en-US" smtClean="0"/>
-              <a:t>12/3/2016</a:t>
+              <a:t>12/4/2016</a:t>
             </a:fld>
             <a:endParaRPr lang="en-US"/>
           </a:p>
@@ -1157,7 +1163,6 @@
               <a:rPr lang="en-US"/>
               <a:t>CSCI-5448 MyHealth_Services</a:t>
             </a:r>
-            <a:endParaRPr lang="en-US"/>
           </a:p>
         </p:txBody>
       </p:sp>
@@ -1380,7 +1385,7 @@
           <a:p>
             <a:fld id="{7C5099E0-4D6C-4D1F-AA7B-2EF74685315C}" type="datetime1">
               <a:rPr lang="en-US" smtClean="0"/>
-              <a:t>12/3/2016</a:t>
+              <a:t>12/4/2016</a:t>
             </a:fld>
             <a:endParaRPr lang="en-US"/>
           </a:p>
@@ -1405,7 +1410,6 @@
               <a:rPr lang="en-US"/>
               <a:t>CSCI-5448 MyHealth_Services</a:t>
             </a:r>
-            <a:endParaRPr lang="en-US"/>
           </a:p>
         </p:txBody>
       </p:sp>
@@ -1616,7 +1620,7 @@
           <a:p>
             <a:fld id="{0B6F9EA1-D940-4680-8B6A-2BA598C057A5}" type="datetime1">
               <a:rPr lang="en-US" smtClean="0"/>
-              <a:t>12/3/2016</a:t>
+              <a:t>12/4/2016</a:t>
             </a:fld>
             <a:endParaRPr lang="en-US"/>
           </a:p>
@@ -1641,7 +1645,6 @@
               <a:rPr lang="en-US"/>
               <a:t>CSCI-5448 MyHealth_Services</a:t>
             </a:r>
-            <a:endParaRPr lang="en-US"/>
           </a:p>
         </p:txBody>
       </p:sp>
@@ -1987,7 +1990,7 @@
           <a:p>
             <a:fld id="{862D3258-12A6-46B4-A1DE-CFB9F83E8417}" type="datetime1">
               <a:rPr lang="en-US" smtClean="0"/>
-              <a:t>12/3/2016</a:t>
+              <a:t>12/4/2016</a:t>
             </a:fld>
             <a:endParaRPr lang="en-US"/>
           </a:p>
@@ -2012,7 +2015,6 @@
               <a:rPr lang="en-US"/>
               <a:t>CSCI-5448 MyHealth_Services</a:t>
             </a:r>
-            <a:endParaRPr lang="en-US"/>
           </a:p>
         </p:txBody>
       </p:sp>
@@ -2109,7 +2111,7 @@
           <a:p>
             <a:fld id="{2EDEA46C-F052-4266-8E09-C1F6621D53EA}" type="datetime1">
               <a:rPr lang="en-US" smtClean="0"/>
-              <a:t>12/3/2016</a:t>
+              <a:t>12/4/2016</a:t>
             </a:fld>
             <a:endParaRPr lang="en-US"/>
           </a:p>
@@ -2134,7 +2136,6 @@
               <a:rPr lang="en-US"/>
               <a:t>CSCI-5448 MyHealth_Services</a:t>
             </a:r>
-            <a:endParaRPr lang="en-US"/>
           </a:p>
         </p:txBody>
       </p:sp>
@@ -2208,7 +2209,7 @@
           <a:p>
             <a:fld id="{6E1C4F53-69D2-408D-94D7-02D90BF554AA}" type="datetime1">
               <a:rPr lang="en-US" smtClean="0"/>
-              <a:t>12/3/2016</a:t>
+              <a:t>12/4/2016</a:t>
             </a:fld>
             <a:endParaRPr lang="en-US"/>
           </a:p>
@@ -2233,7 +2234,6 @@
               <a:rPr lang="en-US"/>
               <a:t>CSCI-5448 MyHealth_Services</a:t>
             </a:r>
-            <a:endParaRPr lang="en-US"/>
           </a:p>
         </p:txBody>
       </p:sp>
@@ -2489,7 +2489,7 @@
           <a:p>
             <a:fld id="{3B47F032-659E-4507-954D-BAC015338896}" type="datetime1">
               <a:rPr lang="en-US" smtClean="0"/>
-              <a:t>12/3/2016</a:t>
+              <a:t>12/4/2016</a:t>
             </a:fld>
             <a:endParaRPr lang="en-US"/>
           </a:p>
@@ -2514,7 +2514,6 @@
               <a:rPr lang="en-US"/>
               <a:t>CSCI-5448 MyHealth_Services</a:t>
             </a:r>
-            <a:endParaRPr lang="en-US"/>
           </a:p>
         </p:txBody>
       </p:sp>
@@ -2750,7 +2749,7 @@
           <a:p>
             <a:fld id="{DE67247A-1278-4F20-95CC-6CD15BA5DC1B}" type="datetime1">
               <a:rPr lang="en-US" smtClean="0"/>
-              <a:t>12/3/2016</a:t>
+              <a:t>12/4/2016</a:t>
             </a:fld>
             <a:endParaRPr lang="en-US"/>
           </a:p>
@@ -2775,7 +2774,6 @@
               <a:rPr lang="en-US"/>
               <a:t>CSCI-5448 MyHealth_Services</a:t>
             </a:r>
-            <a:endParaRPr lang="en-US"/>
           </a:p>
         </p:txBody>
       </p:sp>
@@ -2967,7 +2965,7 @@
           <a:p>
             <a:fld id="{C4D43B72-88D1-48FF-B9B1-892FBF9D4E68}" type="datetime1">
               <a:rPr lang="en-US" smtClean="0"/>
-              <a:t>12/3/2016</a:t>
+              <a:t>12/4/2016</a:t>
             </a:fld>
             <a:endParaRPr lang="en-US"/>
           </a:p>
@@ -3010,7 +3008,6 @@
               <a:rPr lang="en-US"/>
               <a:t>CSCI-5448 MyHealth_Services</a:t>
             </a:r>
-            <a:endParaRPr lang="en-US"/>
           </a:p>
         </p:txBody>
       </p:sp>
@@ -3561,7 +3558,7 @@
             <a:pPr algn="ctr"/>
             <a:r>
               <a:rPr lang="en-US" i="1" dirty="0"/>
-              <a:t>Project Demo</a:t>
+              <a:t>Use of Hibernate</a:t>
             </a:r>
           </a:p>
         </p:txBody>
@@ -3581,7 +3578,22 @@
           <a:bodyPr/>
           <a:lstStyle/>
           <a:p>
-            <a:endParaRPr lang="en-US"/>
+            <a:r>
+              <a:rPr lang="en-US" dirty="0"/>
+              <a:t>Used MySQL database for storage of persistent data</a:t>
+            </a:r>
+          </a:p>
+          <a:p>
+            <a:r>
+              <a:rPr lang="en-US" dirty="0"/>
+              <a:t>Used Hibernate for mapping classes to the database</a:t>
+            </a:r>
+          </a:p>
+          <a:p>
+            <a:r>
+              <a:rPr lang="en-US" dirty="0"/>
+              <a:t>//Photo//</a:t>
+            </a:r>
           </a:p>
         </p:txBody>
       </p:sp>
@@ -3604,7 +3616,6 @@
               <a:rPr lang="en-US"/>
               <a:t>CSCI-5448 MyHealth_Services</a:t>
             </a:r>
-            <a:endParaRPr lang="en-US"/>
           </a:p>
         </p:txBody>
       </p:sp>
@@ -3626,6 +3637,688 @@
             <a:fld id="{A412CD40-5070-425B-8BCC-9AC073258E53}" type="slidenum">
               <a:rPr lang="en-US" smtClean="0"/>
               <a:t>10</a:t>
+            </a:fld>
+            <a:endParaRPr lang="en-US"/>
+          </a:p>
+        </p:txBody>
+      </p:sp>
+    </p:spTree>
+    <p:extLst>
+      <p:ext uri="{BB962C8B-B14F-4D97-AF65-F5344CB8AC3E}">
+        <p14:creationId xmlns:p14="http://schemas.microsoft.com/office/powerpoint/2010/main" val="1908000909"/>
+      </p:ext>
+    </p:extLst>
+  </p:cSld>
+  <p:clrMapOvr>
+    <a:masterClrMapping/>
+  </p:clrMapOvr>
+</p:sld>
+</file>
+
+<file path=ppt/slides/slide11.xml><?xml version="1.0" encoding="utf-8"?>
+<p:sld xmlns:a="http://schemas.openxmlformats.org/drawingml/2006/main" xmlns:r="http://schemas.openxmlformats.org/officeDocument/2006/relationships" xmlns:p="http://schemas.openxmlformats.org/presentationml/2006/main">
+  <p:cSld>
+    <p:spTree>
+      <p:nvGrpSpPr>
+        <p:cNvPr id="1" name=""/>
+        <p:cNvGrpSpPr/>
+        <p:nvPr/>
+      </p:nvGrpSpPr>
+      <p:grpSpPr>
+        <a:xfrm>
+          <a:off x="0" y="0"/>
+          <a:ext cx="0" cy="0"/>
+          <a:chOff x="0" y="0"/>
+          <a:chExt cx="0" cy="0"/>
+        </a:xfrm>
+      </p:grpSpPr>
+      <p:sp>
+        <p:nvSpPr>
+          <p:cNvPr id="2" name="Title 1"/>
+          <p:cNvSpPr>
+            <a:spLocks noGrp="1"/>
+          </p:cNvSpPr>
+          <p:nvPr>
+            <p:ph type="title"/>
+          </p:nvPr>
+        </p:nvSpPr>
+        <p:spPr/>
+        <p:txBody>
+          <a:bodyPr/>
+          <a:lstStyle/>
+          <a:p>
+            <a:pPr algn="ctr"/>
+            <a:r>
+              <a:rPr lang="en-US" i="1" dirty="0"/>
+              <a:t>Hibernate Annotations</a:t>
+            </a:r>
+          </a:p>
+        </p:txBody>
+      </p:sp>
+      <p:sp>
+        <p:nvSpPr>
+          <p:cNvPr id="3" name="Content Placeholder 2"/>
+          <p:cNvSpPr>
+            <a:spLocks noGrp="1"/>
+          </p:cNvSpPr>
+          <p:nvPr>
+            <p:ph idx="1"/>
+          </p:nvPr>
+        </p:nvSpPr>
+        <p:spPr/>
+        <p:txBody>
+          <a:bodyPr/>
+          <a:lstStyle/>
+          <a:p>
+            <a:r>
+              <a:rPr lang="en-US" dirty="0"/>
+              <a:t>@Entity- Used for the class to be persisted.</a:t>
+            </a:r>
+          </a:p>
+          <a:p>
+            <a:r>
+              <a:rPr lang="en-US" dirty="0"/>
+              <a:t>@Id- Used to generate a unique id depending on the Strategy used in @</a:t>
+            </a:r>
+            <a:r>
+              <a:rPr lang="en-US" dirty="0" err="1"/>
+              <a:t>GeneratedValue</a:t>
+            </a:r>
+            <a:r>
+              <a:rPr lang="en-US" dirty="0"/>
+              <a:t>.</a:t>
+            </a:r>
+          </a:p>
+          <a:p>
+            <a:r>
+              <a:rPr lang="en-US" dirty="0"/>
+              <a:t>@</a:t>
+            </a:r>
+            <a:r>
+              <a:rPr lang="en-US" dirty="0" err="1"/>
+              <a:t>GeneratedValue</a:t>
+            </a:r>
+            <a:r>
+              <a:rPr lang="en-US" dirty="0"/>
+              <a:t>- Used to determine the strategy for the Id.(</a:t>
+            </a:r>
+            <a:r>
+              <a:rPr lang="en-US" dirty="0" err="1"/>
+              <a:t>eg</a:t>
+            </a:r>
+            <a:r>
+              <a:rPr lang="en-US" dirty="0"/>
+              <a:t>- </a:t>
+            </a:r>
+            <a:r>
+              <a:rPr lang="en-US" dirty="0" err="1"/>
+              <a:t>GenerationType.</a:t>
+            </a:r>
+            <a:r>
+              <a:rPr lang="en-US" i="1" dirty="0" err="1"/>
+              <a:t>IDENTITY</a:t>
+            </a:r>
+            <a:r>
+              <a:rPr lang="en-US" dirty="0"/>
+              <a:t>) </a:t>
+            </a:r>
+          </a:p>
+          <a:p>
+            <a:r>
+              <a:rPr lang="en-US" dirty="0"/>
+              <a:t>@Column- Used to create different attribute columns in the database tables.</a:t>
+            </a:r>
+          </a:p>
+          <a:p>
+            <a:r>
+              <a:rPr lang="en-US" dirty="0"/>
+              <a:t>@</a:t>
+            </a:r>
+            <a:r>
+              <a:rPr lang="en-US" dirty="0" err="1"/>
+              <a:t>MappedSuperclass</a:t>
+            </a:r>
+            <a:r>
+              <a:rPr lang="en-US" dirty="0"/>
+              <a:t>- Used to not persist the abstract superclass.</a:t>
+            </a:r>
+          </a:p>
+        </p:txBody>
+      </p:sp>
+      <p:sp>
+        <p:nvSpPr>
+          <p:cNvPr id="4" name="Footer Placeholder 3"/>
+          <p:cNvSpPr>
+            <a:spLocks noGrp="1"/>
+          </p:cNvSpPr>
+          <p:nvPr>
+            <p:ph type="ftr" sz="quarter" idx="11"/>
+          </p:nvPr>
+        </p:nvSpPr>
+        <p:spPr/>
+        <p:txBody>
+          <a:bodyPr/>
+          <a:lstStyle/>
+          <a:p>
+            <a:r>
+              <a:rPr lang="en-US" dirty="0"/>
+              <a:t>CSCI-5448 </a:t>
+            </a:r>
+            <a:r>
+              <a:rPr lang="en-US" dirty="0" err="1"/>
+              <a:t>MyHealth_Services</a:t>
+            </a:r>
+            <a:endParaRPr lang="en-US" dirty="0"/>
+          </a:p>
+        </p:txBody>
+      </p:sp>
+      <p:sp>
+        <p:nvSpPr>
+          <p:cNvPr id="5" name="Slide Number Placeholder 4"/>
+          <p:cNvSpPr>
+            <a:spLocks noGrp="1"/>
+          </p:cNvSpPr>
+          <p:nvPr>
+            <p:ph type="sldNum" sz="quarter" idx="12"/>
+          </p:nvPr>
+        </p:nvSpPr>
+        <p:spPr/>
+        <p:txBody>
+          <a:bodyPr/>
+          <a:lstStyle/>
+          <a:p>
+            <a:fld id="{A412CD40-5070-425B-8BCC-9AC073258E53}" type="slidenum">
+              <a:rPr lang="en-US" smtClean="0"/>
+              <a:t>11</a:t>
+            </a:fld>
+            <a:endParaRPr lang="en-US"/>
+          </a:p>
+        </p:txBody>
+      </p:sp>
+    </p:spTree>
+    <p:extLst>
+      <p:ext uri="{BB962C8B-B14F-4D97-AF65-F5344CB8AC3E}">
+        <p14:creationId xmlns:p14="http://schemas.microsoft.com/office/powerpoint/2010/main" val="4015061636"/>
+      </p:ext>
+    </p:extLst>
+  </p:cSld>
+  <p:clrMapOvr>
+    <a:masterClrMapping/>
+  </p:clrMapOvr>
+</p:sld>
+</file>
+
+<file path=ppt/slides/slide12.xml><?xml version="1.0" encoding="utf-8"?>
+<p:sld xmlns:a="http://schemas.openxmlformats.org/drawingml/2006/main" xmlns:r="http://schemas.openxmlformats.org/officeDocument/2006/relationships" xmlns:p="http://schemas.openxmlformats.org/presentationml/2006/main">
+  <p:cSld>
+    <p:spTree>
+      <p:nvGrpSpPr>
+        <p:cNvPr id="1" name=""/>
+        <p:cNvGrpSpPr/>
+        <p:nvPr/>
+      </p:nvGrpSpPr>
+      <p:grpSpPr>
+        <a:xfrm>
+          <a:off x="0" y="0"/>
+          <a:ext cx="0" cy="0"/>
+          <a:chOff x="0" y="0"/>
+          <a:chExt cx="0" cy="0"/>
+        </a:xfrm>
+      </p:grpSpPr>
+      <p:sp>
+        <p:nvSpPr>
+          <p:cNvPr id="2" name="Title 1"/>
+          <p:cNvSpPr>
+            <a:spLocks noGrp="1"/>
+          </p:cNvSpPr>
+          <p:nvPr>
+            <p:ph type="title"/>
+          </p:nvPr>
+        </p:nvSpPr>
+        <p:spPr/>
+        <p:txBody>
+          <a:bodyPr/>
+          <a:lstStyle/>
+          <a:p>
+            <a:pPr algn="ctr"/>
+            <a:r>
+              <a:rPr lang="en-US" i="1" dirty="0"/>
+              <a:t>Design Patterns</a:t>
+            </a:r>
+          </a:p>
+        </p:txBody>
+      </p:sp>
+      <p:sp>
+        <p:nvSpPr>
+          <p:cNvPr id="3" name="Content Placeholder 2"/>
+          <p:cNvSpPr>
+            <a:spLocks noGrp="1"/>
+          </p:cNvSpPr>
+          <p:nvPr>
+            <p:ph idx="1"/>
+          </p:nvPr>
+        </p:nvSpPr>
+        <p:spPr/>
+        <p:txBody>
+          <a:bodyPr/>
+          <a:lstStyle/>
+          <a:p>
+            <a:endParaRPr lang="en-US"/>
+          </a:p>
+        </p:txBody>
+      </p:sp>
+      <p:sp>
+        <p:nvSpPr>
+          <p:cNvPr id="4" name="Footer Placeholder 3"/>
+          <p:cNvSpPr>
+            <a:spLocks noGrp="1"/>
+          </p:cNvSpPr>
+          <p:nvPr>
+            <p:ph type="ftr" sz="quarter" idx="11"/>
+          </p:nvPr>
+        </p:nvSpPr>
+        <p:spPr/>
+        <p:txBody>
+          <a:bodyPr/>
+          <a:lstStyle/>
+          <a:p>
+            <a:r>
+              <a:rPr lang="en-US"/>
+              <a:t>CSCI-5448 MyHealth_Services</a:t>
+            </a:r>
+          </a:p>
+        </p:txBody>
+      </p:sp>
+      <p:sp>
+        <p:nvSpPr>
+          <p:cNvPr id="5" name="Slide Number Placeholder 4"/>
+          <p:cNvSpPr>
+            <a:spLocks noGrp="1"/>
+          </p:cNvSpPr>
+          <p:nvPr>
+            <p:ph type="sldNum" sz="quarter" idx="12"/>
+          </p:nvPr>
+        </p:nvSpPr>
+        <p:spPr/>
+        <p:txBody>
+          <a:bodyPr/>
+          <a:lstStyle/>
+          <a:p>
+            <a:fld id="{A412CD40-5070-425B-8BCC-9AC073258E53}" type="slidenum">
+              <a:rPr lang="en-US" smtClean="0"/>
+              <a:t>12</a:t>
+            </a:fld>
+            <a:endParaRPr lang="en-US"/>
+          </a:p>
+        </p:txBody>
+      </p:sp>
+    </p:spTree>
+    <p:extLst>
+      <p:ext uri="{BB962C8B-B14F-4D97-AF65-F5344CB8AC3E}">
+        <p14:creationId xmlns:p14="http://schemas.microsoft.com/office/powerpoint/2010/main" val="1313867503"/>
+      </p:ext>
+    </p:extLst>
+  </p:cSld>
+  <p:clrMapOvr>
+    <a:masterClrMapping/>
+  </p:clrMapOvr>
+</p:sld>
+</file>
+
+<file path=ppt/slides/slide13.xml><?xml version="1.0" encoding="utf-8"?>
+<p:sld xmlns:a="http://schemas.openxmlformats.org/drawingml/2006/main" xmlns:r="http://schemas.openxmlformats.org/officeDocument/2006/relationships" xmlns:p="http://schemas.openxmlformats.org/presentationml/2006/main">
+  <p:cSld>
+    <p:spTree>
+      <p:nvGrpSpPr>
+        <p:cNvPr id="1" name=""/>
+        <p:cNvGrpSpPr/>
+        <p:nvPr/>
+      </p:nvGrpSpPr>
+      <p:grpSpPr>
+        <a:xfrm>
+          <a:off x="0" y="0"/>
+          <a:ext cx="0" cy="0"/>
+          <a:chOff x="0" y="0"/>
+          <a:chExt cx="0" cy="0"/>
+        </a:xfrm>
+      </p:grpSpPr>
+      <p:sp>
+        <p:nvSpPr>
+          <p:cNvPr id="2" name="Title 1"/>
+          <p:cNvSpPr>
+            <a:spLocks noGrp="1"/>
+          </p:cNvSpPr>
+          <p:nvPr>
+            <p:ph type="title"/>
+          </p:nvPr>
+        </p:nvSpPr>
+        <p:spPr/>
+        <p:txBody>
+          <a:bodyPr/>
+          <a:lstStyle/>
+          <a:p>
+            <a:pPr algn="ctr"/>
+            <a:r>
+              <a:rPr lang="en-US" i="1" dirty="0"/>
+              <a:t>Refactoring</a:t>
+            </a:r>
+          </a:p>
+        </p:txBody>
+      </p:sp>
+      <p:sp>
+        <p:nvSpPr>
+          <p:cNvPr id="3" name="Content Placeholder 2"/>
+          <p:cNvSpPr>
+            <a:spLocks noGrp="1"/>
+          </p:cNvSpPr>
+          <p:nvPr>
+            <p:ph idx="1"/>
+          </p:nvPr>
+        </p:nvSpPr>
+        <p:spPr/>
+        <p:txBody>
+          <a:bodyPr/>
+          <a:lstStyle/>
+          <a:p>
+            <a:endParaRPr lang="en-US"/>
+          </a:p>
+        </p:txBody>
+      </p:sp>
+      <p:sp>
+        <p:nvSpPr>
+          <p:cNvPr id="4" name="Footer Placeholder 3"/>
+          <p:cNvSpPr>
+            <a:spLocks noGrp="1"/>
+          </p:cNvSpPr>
+          <p:nvPr>
+            <p:ph type="ftr" sz="quarter" idx="11"/>
+          </p:nvPr>
+        </p:nvSpPr>
+        <p:spPr/>
+        <p:txBody>
+          <a:bodyPr/>
+          <a:lstStyle/>
+          <a:p>
+            <a:r>
+              <a:rPr lang="en-US"/>
+              <a:t>CSCI-5448 MyHealth_Services</a:t>
+            </a:r>
+          </a:p>
+        </p:txBody>
+      </p:sp>
+      <p:sp>
+        <p:nvSpPr>
+          <p:cNvPr id="5" name="Slide Number Placeholder 4"/>
+          <p:cNvSpPr>
+            <a:spLocks noGrp="1"/>
+          </p:cNvSpPr>
+          <p:nvPr>
+            <p:ph type="sldNum" sz="quarter" idx="12"/>
+          </p:nvPr>
+        </p:nvSpPr>
+        <p:spPr/>
+        <p:txBody>
+          <a:bodyPr/>
+          <a:lstStyle/>
+          <a:p>
+            <a:fld id="{A412CD40-5070-425B-8BCC-9AC073258E53}" type="slidenum">
+              <a:rPr lang="en-US" smtClean="0"/>
+              <a:t>13</a:t>
+            </a:fld>
+            <a:endParaRPr lang="en-US"/>
+          </a:p>
+        </p:txBody>
+      </p:sp>
+    </p:spTree>
+    <p:extLst>
+      <p:ext uri="{BB962C8B-B14F-4D97-AF65-F5344CB8AC3E}">
+        <p14:creationId xmlns:p14="http://schemas.microsoft.com/office/powerpoint/2010/main" val="2261092046"/>
+      </p:ext>
+    </p:extLst>
+  </p:cSld>
+  <p:clrMapOvr>
+    <a:masterClrMapping/>
+  </p:clrMapOvr>
+</p:sld>
+</file>
+
+<file path=ppt/slides/slide14.xml><?xml version="1.0" encoding="utf-8"?>
+<p:sld xmlns:a="http://schemas.openxmlformats.org/drawingml/2006/main" xmlns:r="http://schemas.openxmlformats.org/officeDocument/2006/relationships" xmlns:p="http://schemas.openxmlformats.org/presentationml/2006/main">
+  <p:cSld>
+    <p:spTree>
+      <p:nvGrpSpPr>
+        <p:cNvPr id="1" name=""/>
+        <p:cNvGrpSpPr/>
+        <p:nvPr/>
+      </p:nvGrpSpPr>
+      <p:grpSpPr>
+        <a:xfrm>
+          <a:off x="0" y="0"/>
+          <a:ext cx="0" cy="0"/>
+          <a:chOff x="0" y="0"/>
+          <a:chExt cx="0" cy="0"/>
+        </a:xfrm>
+      </p:grpSpPr>
+      <p:sp>
+        <p:nvSpPr>
+          <p:cNvPr id="2" name="Title 1"/>
+          <p:cNvSpPr>
+            <a:spLocks noGrp="1"/>
+          </p:cNvSpPr>
+          <p:nvPr>
+            <p:ph type="title"/>
+          </p:nvPr>
+        </p:nvSpPr>
+        <p:spPr/>
+        <p:txBody>
+          <a:bodyPr/>
+          <a:lstStyle/>
+          <a:p>
+            <a:pPr algn="ctr"/>
+            <a:r>
+              <a:rPr lang="en-US" i="1" dirty="0"/>
+              <a:t>Future Development</a:t>
+            </a:r>
+          </a:p>
+        </p:txBody>
+      </p:sp>
+      <p:sp>
+        <p:nvSpPr>
+          <p:cNvPr id="3" name="Content Placeholder 2"/>
+          <p:cNvSpPr>
+            <a:spLocks noGrp="1"/>
+          </p:cNvSpPr>
+          <p:nvPr>
+            <p:ph idx="1"/>
+          </p:nvPr>
+        </p:nvSpPr>
+        <p:spPr/>
+        <p:txBody>
+          <a:bodyPr/>
+          <a:lstStyle/>
+          <a:p>
+            <a:r>
+              <a:rPr lang="en-US" dirty="0"/>
+              <a:t>Refactoring the code</a:t>
+            </a:r>
+          </a:p>
+          <a:p>
+            <a:r>
+              <a:rPr lang="en-US" dirty="0"/>
+              <a:t>Iterator Design Pattern</a:t>
+            </a:r>
+          </a:p>
+          <a:p>
+            <a:r>
+              <a:rPr lang="en-US" dirty="0"/>
+              <a:t>Observer Design Pattern</a:t>
+            </a:r>
+          </a:p>
+          <a:p>
+            <a:r>
+              <a:rPr lang="en-US" dirty="0"/>
+              <a:t>Strategy Design Pattern</a:t>
+            </a:r>
+          </a:p>
+        </p:txBody>
+      </p:sp>
+      <p:sp>
+        <p:nvSpPr>
+          <p:cNvPr id="4" name="Footer Placeholder 3"/>
+          <p:cNvSpPr>
+            <a:spLocks noGrp="1"/>
+          </p:cNvSpPr>
+          <p:nvPr>
+            <p:ph type="ftr" sz="quarter" idx="11"/>
+          </p:nvPr>
+        </p:nvSpPr>
+        <p:spPr/>
+        <p:txBody>
+          <a:bodyPr/>
+          <a:lstStyle/>
+          <a:p>
+            <a:r>
+              <a:rPr lang="en-US"/>
+              <a:t>CSCI-5448 MyHealth_Services</a:t>
+            </a:r>
+          </a:p>
+        </p:txBody>
+      </p:sp>
+      <p:sp>
+        <p:nvSpPr>
+          <p:cNvPr id="5" name="Slide Number Placeholder 4"/>
+          <p:cNvSpPr>
+            <a:spLocks noGrp="1"/>
+          </p:cNvSpPr>
+          <p:nvPr>
+            <p:ph type="sldNum" sz="quarter" idx="12"/>
+          </p:nvPr>
+        </p:nvSpPr>
+        <p:spPr/>
+        <p:txBody>
+          <a:bodyPr/>
+          <a:lstStyle/>
+          <a:p>
+            <a:fld id="{A412CD40-5070-425B-8BCC-9AC073258E53}" type="slidenum">
+              <a:rPr lang="en-US" smtClean="0"/>
+              <a:t>14</a:t>
+            </a:fld>
+            <a:endParaRPr lang="en-US"/>
+          </a:p>
+        </p:txBody>
+      </p:sp>
+    </p:spTree>
+    <p:extLst>
+      <p:ext uri="{BB962C8B-B14F-4D97-AF65-F5344CB8AC3E}">
+        <p14:creationId xmlns:p14="http://schemas.microsoft.com/office/powerpoint/2010/main" val="3340931569"/>
+      </p:ext>
+    </p:extLst>
+  </p:cSld>
+  <p:clrMapOvr>
+    <a:masterClrMapping/>
+  </p:clrMapOvr>
+</p:sld>
+</file>
+
+<file path=ppt/slides/slide15.xml><?xml version="1.0" encoding="utf-8"?>
+<p:sld xmlns:a="http://schemas.openxmlformats.org/drawingml/2006/main" xmlns:r="http://schemas.openxmlformats.org/officeDocument/2006/relationships" xmlns:p="http://schemas.openxmlformats.org/presentationml/2006/main">
+  <p:cSld>
+    <p:spTree>
+      <p:nvGrpSpPr>
+        <p:cNvPr id="1" name=""/>
+        <p:cNvGrpSpPr/>
+        <p:nvPr/>
+      </p:nvGrpSpPr>
+      <p:grpSpPr>
+        <a:xfrm>
+          <a:off x="0" y="0"/>
+          <a:ext cx="0" cy="0"/>
+          <a:chOff x="0" y="0"/>
+          <a:chExt cx="0" cy="0"/>
+        </a:xfrm>
+      </p:grpSpPr>
+      <p:sp>
+        <p:nvSpPr>
+          <p:cNvPr id="2" name="Title 1"/>
+          <p:cNvSpPr>
+            <a:spLocks noGrp="1"/>
+          </p:cNvSpPr>
+          <p:nvPr>
+            <p:ph type="title"/>
+          </p:nvPr>
+        </p:nvSpPr>
+        <p:spPr/>
+        <p:txBody>
+          <a:bodyPr/>
+          <a:lstStyle/>
+          <a:p>
+            <a:pPr algn="ctr"/>
+            <a:r>
+              <a:rPr lang="en-US" i="1" dirty="0"/>
+              <a:t>Project Demo</a:t>
+            </a:r>
+          </a:p>
+        </p:txBody>
+      </p:sp>
+      <p:sp>
+        <p:nvSpPr>
+          <p:cNvPr id="3" name="Content Placeholder 2"/>
+          <p:cNvSpPr>
+            <a:spLocks noGrp="1"/>
+          </p:cNvSpPr>
+          <p:nvPr>
+            <p:ph idx="1"/>
+          </p:nvPr>
+        </p:nvSpPr>
+        <p:spPr/>
+        <p:txBody>
+          <a:bodyPr/>
+          <a:lstStyle/>
+          <a:p>
+            <a:endParaRPr lang="en-US"/>
+          </a:p>
+        </p:txBody>
+      </p:sp>
+      <p:sp>
+        <p:nvSpPr>
+          <p:cNvPr id="4" name="Footer Placeholder 3"/>
+          <p:cNvSpPr>
+            <a:spLocks noGrp="1"/>
+          </p:cNvSpPr>
+          <p:nvPr>
+            <p:ph type="ftr" sz="quarter" idx="11"/>
+          </p:nvPr>
+        </p:nvSpPr>
+        <p:spPr/>
+        <p:txBody>
+          <a:bodyPr/>
+          <a:lstStyle/>
+          <a:p>
+            <a:r>
+              <a:rPr lang="en-US"/>
+              <a:t>CSCI-5448 MyHealth_Services</a:t>
+            </a:r>
+          </a:p>
+        </p:txBody>
+      </p:sp>
+      <p:sp>
+        <p:nvSpPr>
+          <p:cNvPr id="5" name="Slide Number Placeholder 4"/>
+          <p:cNvSpPr>
+            <a:spLocks noGrp="1"/>
+          </p:cNvSpPr>
+          <p:nvPr>
+            <p:ph type="sldNum" sz="quarter" idx="12"/>
+          </p:nvPr>
+        </p:nvSpPr>
+        <p:spPr/>
+        <p:txBody>
+          <a:bodyPr/>
+          <a:lstStyle/>
+          <a:p>
+            <a:fld id="{A412CD40-5070-425B-8BCC-9AC073258E53}" type="slidenum">
+              <a:rPr lang="en-US" smtClean="0"/>
+              <a:t>15</a:t>
             </a:fld>
             <a:endParaRPr lang="en-US"/>
           </a:p>
@@ -3763,7 +4456,6 @@
               <a:rPr lang="en-US"/>
               <a:t>CSCI-5448 MyHealth_Services</a:t>
             </a:r>
-            <a:endParaRPr lang="en-US"/>
           </a:p>
         </p:txBody>
       </p:sp>
@@ -3914,7 +4606,6 @@
               <a:rPr lang="en-US"/>
               <a:t>CSCI-5448 MyHealth_Services</a:t>
             </a:r>
-            <a:endParaRPr lang="en-US"/>
           </a:p>
         </p:txBody>
       </p:sp>
@@ -4007,9 +4698,15 @@
         <p:spPr/>
         <p:txBody>
           <a:bodyPr>
-            <a:normAutofit fontScale="92500" lnSpcReduction="10000"/>
+            <a:normAutofit fontScale="92500" lnSpcReduction="20000"/>
           </a:bodyPr>
           <a:lstStyle/>
+          <a:p>
+            <a:r>
+              <a:rPr lang="en-US" dirty="0"/>
+              <a:t>User can login or create profile</a:t>
+            </a:r>
+          </a:p>
           <a:p>
             <a:r>
               <a:rPr lang="en-US" dirty="0"/>
@@ -4082,7 +4779,6 @@
               <a:rPr lang="en-US"/>
               <a:t>CSCI-5448 MyHealth_Services</a:t>
             </a:r>
-            <a:endParaRPr lang="en-US"/>
           </a:p>
         </p:txBody>
       </p:sp>
@@ -4157,7 +4853,7 @@
             <a:pPr algn="ctr"/>
             <a:r>
               <a:rPr lang="en-US" i="1" dirty="0"/>
-              <a:t>Use of Hibernate</a:t>
+              <a:t>Use Cases</a:t>
             </a:r>
           </a:p>
         </p:txBody>
@@ -4172,26 +4868,19 @@
             <p:ph idx="1"/>
           </p:nvPr>
         </p:nvSpPr>
-        <p:spPr/>
+        <p:spPr>
+          <a:xfrm>
+            <a:off x="628650" y="1457058"/>
+            <a:ext cx="7886700" cy="548459"/>
+          </a:xfrm>
+        </p:spPr>
         <p:txBody>
           <a:bodyPr/>
           <a:lstStyle/>
           <a:p>
             <a:r>
               <a:rPr lang="en-US" dirty="0"/>
-              <a:t>Used MySQL database for storage of persistent data</a:t>
-            </a:r>
-          </a:p>
-          <a:p>
-            <a:r>
-              <a:rPr lang="en-US" dirty="0"/>
-              <a:t>Used Hibernate for mapping classes to the database</a:t>
-            </a:r>
-          </a:p>
-          <a:p>
-            <a:r>
-              <a:rPr lang="en-US" dirty="0"/>
-              <a:t>//Photo//</a:t>
+              <a:t>Doctor can create schedule</a:t>
             </a:r>
           </a:p>
         </p:txBody>
@@ -4215,7 +4904,6 @@
               <a:rPr lang="en-US"/>
               <a:t>CSCI-5448 MyHealth_Services</a:t>
             </a:r>
-            <a:endParaRPr lang="en-US"/>
           </a:p>
         </p:txBody>
       </p:sp>
@@ -4242,10 +4930,40 @@
           </a:p>
         </p:txBody>
       </p:sp>
+      <p:pic>
+        <p:nvPicPr>
+          <p:cNvPr id="8" name="Picture 7"/>
+          <p:cNvPicPr>
+            <a:picLocks noChangeAspect="1"/>
+          </p:cNvPicPr>
+          <p:nvPr/>
+        </p:nvPicPr>
+        <p:blipFill>
+          <a:blip r:embed="rId2">
+            <a:extLst>
+              <a:ext uri="{28A0092B-C50C-407E-A947-70E740481C1C}">
+                <a14:useLocalDpi xmlns:a14="http://schemas.microsoft.com/office/drawing/2010/main" val="0"/>
+              </a:ext>
+            </a:extLst>
+          </a:blip>
+          <a:stretch>
+            <a:fillRect/>
+          </a:stretch>
+        </p:blipFill>
+        <p:spPr>
+          <a:xfrm>
+            <a:off x="776766" y="2005517"/>
+            <a:ext cx="7590467" cy="4269637"/>
+          </a:xfrm>
+          <a:prstGeom prst="rect">
+            <a:avLst/>
+          </a:prstGeom>
+        </p:spPr>
+      </p:pic>
     </p:spTree>
     <p:extLst>
       <p:ext uri="{BB962C8B-B14F-4D97-AF65-F5344CB8AC3E}">
-        <p14:creationId xmlns:p14="http://schemas.microsoft.com/office/powerpoint/2010/main" val="1908000909"/>
+        <p14:creationId xmlns:p14="http://schemas.microsoft.com/office/powerpoint/2010/main" val="2782835572"/>
       </p:ext>
     </p:extLst>
   </p:cSld>
@@ -4290,7 +5008,7 @@
             <a:pPr algn="ctr"/>
             <a:r>
               <a:rPr lang="en-US" i="1" dirty="0"/>
-              <a:t>Hibernate Annotations</a:t>
+              <a:t>Use Cases</a:t>
             </a:r>
           </a:p>
         </p:txBody>
@@ -4305,82 +5023,19 @@
             <p:ph idx="1"/>
           </p:nvPr>
         </p:nvSpPr>
-        <p:spPr/>
+        <p:spPr>
+          <a:xfrm>
+            <a:off x="628650" y="1364231"/>
+            <a:ext cx="7886700" cy="506514"/>
+          </a:xfrm>
+        </p:spPr>
         <p:txBody>
           <a:bodyPr/>
           <a:lstStyle/>
           <a:p>
             <a:r>
               <a:rPr lang="en-US" dirty="0"/>
-              <a:t>@Entity- Used for the class to be persisted.</a:t>
-            </a:r>
-          </a:p>
-          <a:p>
-            <a:r>
-              <a:rPr lang="en-US" dirty="0"/>
-              <a:t>@Id- Used to generate a unique id depending on the Strategy used in @</a:t>
-            </a:r>
-            <a:r>
-              <a:rPr lang="en-US" dirty="0" err="1"/>
-              <a:t>GeneratedValue</a:t>
-            </a:r>
-            <a:r>
-              <a:rPr lang="en-US" dirty="0"/>
-              <a:t>.</a:t>
-            </a:r>
-          </a:p>
-          <a:p>
-            <a:r>
-              <a:rPr lang="en-US" dirty="0"/>
-              <a:t>@</a:t>
-            </a:r>
-            <a:r>
-              <a:rPr lang="en-US" dirty="0" err="1"/>
-              <a:t>GeneratedValue</a:t>
-            </a:r>
-            <a:r>
-              <a:rPr lang="en-US" dirty="0"/>
-              <a:t>- Used to determine the strategy for the Id.(</a:t>
-            </a:r>
-            <a:r>
-              <a:rPr lang="en-US" dirty="0" err="1"/>
-              <a:t>eg</a:t>
-            </a:r>
-            <a:r>
-              <a:rPr lang="en-US" dirty="0"/>
-              <a:t>- </a:t>
-            </a:r>
-            <a:r>
-              <a:rPr lang="en-US" dirty="0" err="1"/>
-              <a:t>GenerationType.</a:t>
-            </a:r>
-            <a:r>
-              <a:rPr lang="en-US" i="1" dirty="0" err="1"/>
-              <a:t>IDENTITY</a:t>
-            </a:r>
-            <a:r>
-              <a:rPr lang="en-US" dirty="0"/>
-              <a:t>) </a:t>
-            </a:r>
-          </a:p>
-          <a:p>
-            <a:r>
-              <a:rPr lang="en-US" dirty="0"/>
-              <a:t>@Column- Used to create different attribute columns in the database tables.</a:t>
-            </a:r>
-          </a:p>
-          <a:p>
-            <a:r>
-              <a:rPr lang="en-US" dirty="0"/>
-              <a:t>@</a:t>
-            </a:r>
-            <a:r>
-              <a:rPr lang="en-US" dirty="0" err="1"/>
-              <a:t>MappedSuperclass</a:t>
-            </a:r>
-            <a:r>
-              <a:rPr lang="en-US" dirty="0"/>
-              <a:t>- Used to not persist the abstract superclass.</a:t>
+              <a:t>Patient can search for a certain doctor</a:t>
             </a:r>
           </a:p>
         </p:txBody>
@@ -4401,14 +5056,9 @@
           <a:lstStyle/>
           <a:p>
             <a:r>
-              <a:rPr lang="en-US" dirty="0"/>
-              <a:t>CSCI-5448 </a:t>
-            </a:r>
-            <a:r>
-              <a:rPr lang="en-US" dirty="0" err="1"/>
-              <a:t>MyHealth_Services</a:t>
-            </a:r>
-            <a:endParaRPr lang="en-US" dirty="0"/>
+              <a:rPr lang="en-US"/>
+              <a:t>CSCI-5448 MyHealth_Services</a:t>
+            </a:r>
           </a:p>
         </p:txBody>
       </p:sp>
@@ -4435,10 +5085,40 @@
           </a:p>
         </p:txBody>
       </p:sp>
+      <p:pic>
+        <p:nvPicPr>
+          <p:cNvPr id="6" name="Picture 5"/>
+          <p:cNvPicPr>
+            <a:picLocks noChangeAspect="1"/>
+          </p:cNvPicPr>
+          <p:nvPr/>
+        </p:nvPicPr>
+        <p:blipFill>
+          <a:blip r:embed="rId2">
+            <a:extLst>
+              <a:ext uri="{28A0092B-C50C-407E-A947-70E740481C1C}">
+                <a14:useLocalDpi xmlns:a14="http://schemas.microsoft.com/office/drawing/2010/main" val="0"/>
+              </a:ext>
+            </a:extLst>
+          </a:blip>
+          <a:stretch>
+            <a:fillRect/>
+          </a:stretch>
+        </p:blipFill>
+        <p:spPr>
+          <a:xfrm>
+            <a:off x="744844" y="1960773"/>
+            <a:ext cx="7654311" cy="4305550"/>
+          </a:xfrm>
+          <a:prstGeom prst="rect">
+            <a:avLst/>
+          </a:prstGeom>
+        </p:spPr>
+      </p:pic>
     </p:spTree>
     <p:extLst>
       <p:ext uri="{BB962C8B-B14F-4D97-AF65-F5344CB8AC3E}">
-        <p14:creationId xmlns:p14="http://schemas.microsoft.com/office/powerpoint/2010/main" val="4015061636"/>
+        <p14:creationId xmlns:p14="http://schemas.microsoft.com/office/powerpoint/2010/main" val="166939854"/>
       </p:ext>
     </p:extLst>
   </p:cSld>
@@ -4483,7 +5163,7 @@
             <a:pPr algn="ctr"/>
             <a:r>
               <a:rPr lang="en-US" i="1" dirty="0"/>
-              <a:t>Design Patterns</a:t>
+              <a:t>Use Cases</a:t>
             </a:r>
           </a:p>
         </p:txBody>
@@ -4498,12 +5178,20 @@
             <p:ph idx="1"/>
           </p:nvPr>
         </p:nvSpPr>
-        <p:spPr/>
-        <p:txBody>
-          <a:bodyPr/>
-          <a:lstStyle/>
-          <a:p>
-            <a:endParaRPr lang="en-US"/>
+        <p:spPr>
+          <a:xfrm>
+            <a:off x="628650" y="1532010"/>
+            <a:ext cx="7886700" cy="523292"/>
+          </a:xfrm>
+        </p:spPr>
+        <p:txBody>
+          <a:bodyPr/>
+          <a:lstStyle/>
+          <a:p>
+            <a:r>
+              <a:rPr lang="en-US" dirty="0"/>
+              <a:t>Patient can request medical test</a:t>
+            </a:r>
           </a:p>
         </p:txBody>
       </p:sp>
@@ -4526,7 +5214,6 @@
               <a:rPr lang="en-US"/>
               <a:t>CSCI-5448 MyHealth_Services</a:t>
             </a:r>
-            <a:endParaRPr lang="en-US"/>
           </a:p>
         </p:txBody>
       </p:sp>
@@ -4553,10 +5240,40 @@
           </a:p>
         </p:txBody>
       </p:sp>
+      <p:pic>
+        <p:nvPicPr>
+          <p:cNvPr id="6" name="Picture 5"/>
+          <p:cNvPicPr>
+            <a:picLocks noChangeAspect="1"/>
+          </p:cNvPicPr>
+          <p:nvPr/>
+        </p:nvPicPr>
+        <p:blipFill>
+          <a:blip r:embed="rId2">
+            <a:extLst>
+              <a:ext uri="{28A0092B-C50C-407E-A947-70E740481C1C}">
+                <a14:useLocalDpi xmlns:a14="http://schemas.microsoft.com/office/drawing/2010/main" val="0"/>
+              </a:ext>
+            </a:extLst>
+          </a:blip>
+          <a:stretch>
+            <a:fillRect/>
+          </a:stretch>
+        </p:blipFill>
+        <p:spPr>
+          <a:xfrm>
+            <a:off x="918127" y="2150523"/>
+            <a:ext cx="7307745" cy="4110606"/>
+          </a:xfrm>
+          <a:prstGeom prst="rect">
+            <a:avLst/>
+          </a:prstGeom>
+        </p:spPr>
+      </p:pic>
     </p:spTree>
     <p:extLst>
       <p:ext uri="{BB962C8B-B14F-4D97-AF65-F5344CB8AC3E}">
-        <p14:creationId xmlns:p14="http://schemas.microsoft.com/office/powerpoint/2010/main" val="1313867503"/>
+        <p14:creationId xmlns:p14="http://schemas.microsoft.com/office/powerpoint/2010/main" val="403692771"/>
       </p:ext>
     </p:extLst>
   </p:cSld>
@@ -4601,8 +5318,9 @@
             <a:pPr algn="ctr"/>
             <a:r>
               <a:rPr lang="en-US" i="1" dirty="0"/>
-              <a:t>Refactoring</a:t>
-            </a:r>
+              <a:t>Use Cases</a:t>
+            </a:r>
+            <a:endParaRPr lang="en-US" dirty="0"/>
           </a:p>
         </p:txBody>
       </p:sp>
@@ -4616,12 +5334,20 @@
             <p:ph idx="1"/>
           </p:nvPr>
         </p:nvSpPr>
-        <p:spPr/>
-        <p:txBody>
-          <a:bodyPr/>
-          <a:lstStyle/>
-          <a:p>
-            <a:endParaRPr lang="en-US"/>
+        <p:spPr>
+          <a:xfrm>
+            <a:off x="628650" y="1459369"/>
+            <a:ext cx="7886700" cy="565237"/>
+          </a:xfrm>
+        </p:spPr>
+        <p:txBody>
+          <a:bodyPr/>
+          <a:lstStyle/>
+          <a:p>
+            <a:r>
+              <a:rPr lang="en-US" dirty="0"/>
+              <a:t>Doctor can approve medical test</a:t>
+            </a:r>
           </a:p>
         </p:txBody>
       </p:sp>
@@ -4644,7 +5370,6 @@
               <a:rPr lang="en-US"/>
               <a:t>CSCI-5448 MyHealth_Services</a:t>
             </a:r>
-            <a:endParaRPr lang="en-US"/>
           </a:p>
         </p:txBody>
       </p:sp>
@@ -4671,10 +5396,40 @@
           </a:p>
         </p:txBody>
       </p:sp>
+      <p:pic>
+        <p:nvPicPr>
+          <p:cNvPr id="6" name="Picture 5"/>
+          <p:cNvPicPr>
+            <a:picLocks noChangeAspect="1"/>
+          </p:cNvPicPr>
+          <p:nvPr/>
+        </p:nvPicPr>
+        <p:blipFill>
+          <a:blip r:embed="rId2">
+            <a:extLst>
+              <a:ext uri="{28A0092B-C50C-407E-A947-70E740481C1C}">
+                <a14:useLocalDpi xmlns:a14="http://schemas.microsoft.com/office/drawing/2010/main" val="0"/>
+              </a:ext>
+            </a:extLst>
+          </a:blip>
+          <a:stretch>
+            <a:fillRect/>
+          </a:stretch>
+        </p:blipFill>
+        <p:spPr>
+          <a:xfrm>
+            <a:off x="728976" y="1915548"/>
+            <a:ext cx="7686047" cy="4323401"/>
+          </a:xfrm>
+          <a:prstGeom prst="rect">
+            <a:avLst/>
+          </a:prstGeom>
+        </p:spPr>
+      </p:pic>
     </p:spTree>
     <p:extLst>
       <p:ext uri="{BB962C8B-B14F-4D97-AF65-F5344CB8AC3E}">
-        <p14:creationId xmlns:p14="http://schemas.microsoft.com/office/powerpoint/2010/main" val="2261092046"/>
+        <p14:creationId xmlns:p14="http://schemas.microsoft.com/office/powerpoint/2010/main" val="1064786965"/>
       </p:ext>
     </p:extLst>
   </p:cSld>
@@ -4719,7 +5474,7 @@
             <a:pPr algn="ctr"/>
             <a:r>
               <a:rPr lang="en-US" i="1" dirty="0"/>
-              <a:t>Future Development</a:t>
+              <a:t>Use Cases</a:t>
             </a:r>
           </a:p>
         </p:txBody>
@@ -4734,32 +5489,19 @@
             <p:ph idx="1"/>
           </p:nvPr>
         </p:nvSpPr>
-        <p:spPr/>
+        <p:spPr>
+          <a:xfrm>
+            <a:off x="628650" y="1445821"/>
+            <a:ext cx="7886700" cy="489736"/>
+          </a:xfrm>
+        </p:spPr>
         <p:txBody>
           <a:bodyPr/>
           <a:lstStyle/>
           <a:p>
             <a:r>
               <a:rPr lang="en-US" dirty="0"/>
-              <a:t>Refactoring the code</a:t>
-            </a:r>
-          </a:p>
-          <a:p>
-            <a:r>
-              <a:rPr lang="en-US" dirty="0"/>
-              <a:t>Iterator Design Pattern</a:t>
-            </a:r>
-          </a:p>
-          <a:p>
-            <a:r>
-              <a:rPr lang="en-US" dirty="0"/>
-              <a:t>Observer Design Pattern</a:t>
-            </a:r>
-          </a:p>
-          <a:p>
-            <a:r>
-              <a:rPr lang="en-US" dirty="0"/>
-              <a:t>Strategy Design Pattern</a:t>
+              <a:t>Clerk can upload bills</a:t>
             </a:r>
           </a:p>
         </p:txBody>
@@ -4783,7 +5525,6 @@
               <a:rPr lang="en-US"/>
               <a:t>CSCI-5448 MyHealth_Services</a:t>
             </a:r>
-            <a:endParaRPr lang="en-US"/>
           </a:p>
         </p:txBody>
       </p:sp>
@@ -4810,10 +5551,40 @@
           </a:p>
         </p:txBody>
       </p:sp>
+      <p:pic>
+        <p:nvPicPr>
+          <p:cNvPr id="6" name="Picture 5"/>
+          <p:cNvPicPr>
+            <a:picLocks noChangeAspect="1"/>
+          </p:cNvPicPr>
+          <p:nvPr/>
+        </p:nvPicPr>
+        <p:blipFill>
+          <a:blip r:embed="rId2">
+            <a:extLst>
+              <a:ext uri="{28A0092B-C50C-407E-A947-70E740481C1C}">
+                <a14:useLocalDpi xmlns:a14="http://schemas.microsoft.com/office/drawing/2010/main" val="0"/>
+              </a:ext>
+            </a:extLst>
+          </a:blip>
+          <a:stretch>
+            <a:fillRect/>
+          </a:stretch>
+        </p:blipFill>
+        <p:spPr>
+          <a:xfrm>
+            <a:off x="628650" y="1925900"/>
+            <a:ext cx="7886700" cy="4436269"/>
+          </a:xfrm>
+          <a:prstGeom prst="rect">
+            <a:avLst/>
+          </a:prstGeom>
+        </p:spPr>
+      </p:pic>
     </p:spTree>
     <p:extLst>
       <p:ext uri="{BB962C8B-B14F-4D97-AF65-F5344CB8AC3E}">
-        <p14:creationId xmlns:p14="http://schemas.microsoft.com/office/powerpoint/2010/main" val="3340931569"/>
+        <p14:creationId xmlns:p14="http://schemas.microsoft.com/office/powerpoint/2010/main" val="3555547116"/>
       </p:ext>
     </p:extLst>
   </p:cSld>
